--- a/Visualisations/Fig_Mechanisms_v.3.pptx
+++ b/Visualisations/Fig_Mechanisms_v.3.pptx
@@ -243,7 +243,7 @@
           <a:p>
             <a:fld id="{100147B4-4DC3-4844-B2A8-58658666F9FF}" type="datetimeFigureOut">
               <a:rPr lang="en-AU" smtClean="0"/>
-              <a:t>11/01/2021</a:t>
+              <a:t>31/05/2021</a:t>
             </a:fld>
             <a:endParaRPr lang="en-AU"/>
           </a:p>
@@ -413,7 +413,7 @@
           <a:p>
             <a:fld id="{100147B4-4DC3-4844-B2A8-58658666F9FF}" type="datetimeFigureOut">
               <a:rPr lang="en-AU" smtClean="0"/>
-              <a:t>11/01/2021</a:t>
+              <a:t>31/05/2021</a:t>
             </a:fld>
             <a:endParaRPr lang="en-AU"/>
           </a:p>
@@ -593,7 +593,7 @@
           <a:p>
             <a:fld id="{100147B4-4DC3-4844-B2A8-58658666F9FF}" type="datetimeFigureOut">
               <a:rPr lang="en-AU" smtClean="0"/>
-              <a:t>11/01/2021</a:t>
+              <a:t>31/05/2021</a:t>
             </a:fld>
             <a:endParaRPr lang="en-AU"/>
           </a:p>
@@ -763,7 +763,7 @@
           <a:p>
             <a:fld id="{100147B4-4DC3-4844-B2A8-58658666F9FF}" type="datetimeFigureOut">
               <a:rPr lang="en-AU" smtClean="0"/>
-              <a:t>11/01/2021</a:t>
+              <a:t>31/05/2021</a:t>
             </a:fld>
             <a:endParaRPr lang="en-AU"/>
           </a:p>
@@ -1007,7 +1007,7 @@
           <a:p>
             <a:fld id="{100147B4-4DC3-4844-B2A8-58658666F9FF}" type="datetimeFigureOut">
               <a:rPr lang="en-AU" smtClean="0"/>
-              <a:t>11/01/2021</a:t>
+              <a:t>31/05/2021</a:t>
             </a:fld>
             <a:endParaRPr lang="en-AU"/>
           </a:p>
@@ -1239,7 +1239,7 @@
           <a:p>
             <a:fld id="{100147B4-4DC3-4844-B2A8-58658666F9FF}" type="datetimeFigureOut">
               <a:rPr lang="en-AU" smtClean="0"/>
-              <a:t>11/01/2021</a:t>
+              <a:t>31/05/2021</a:t>
             </a:fld>
             <a:endParaRPr lang="en-AU"/>
           </a:p>
@@ -1606,7 +1606,7 @@
           <a:p>
             <a:fld id="{100147B4-4DC3-4844-B2A8-58658666F9FF}" type="datetimeFigureOut">
               <a:rPr lang="en-AU" smtClean="0"/>
-              <a:t>11/01/2021</a:t>
+              <a:t>31/05/2021</a:t>
             </a:fld>
             <a:endParaRPr lang="en-AU"/>
           </a:p>
@@ -1724,7 +1724,7 @@
           <a:p>
             <a:fld id="{100147B4-4DC3-4844-B2A8-58658666F9FF}" type="datetimeFigureOut">
               <a:rPr lang="en-AU" smtClean="0"/>
-              <a:t>11/01/2021</a:t>
+              <a:t>31/05/2021</a:t>
             </a:fld>
             <a:endParaRPr lang="en-AU"/>
           </a:p>
@@ -1819,7 +1819,7 @@
           <a:p>
             <a:fld id="{100147B4-4DC3-4844-B2A8-58658666F9FF}" type="datetimeFigureOut">
               <a:rPr lang="en-AU" smtClean="0"/>
-              <a:t>11/01/2021</a:t>
+              <a:t>31/05/2021</a:t>
             </a:fld>
             <a:endParaRPr lang="en-AU"/>
           </a:p>
@@ -2096,7 +2096,7 @@
           <a:p>
             <a:fld id="{100147B4-4DC3-4844-B2A8-58658666F9FF}" type="datetimeFigureOut">
               <a:rPr lang="en-AU" smtClean="0"/>
-              <a:t>11/01/2021</a:t>
+              <a:t>31/05/2021</a:t>
             </a:fld>
             <a:endParaRPr lang="en-AU"/>
           </a:p>
@@ -2353,7 +2353,7 @@
           <a:p>
             <a:fld id="{100147B4-4DC3-4844-B2A8-58658666F9FF}" type="datetimeFigureOut">
               <a:rPr lang="en-AU" smtClean="0"/>
-              <a:t>11/01/2021</a:t>
+              <a:t>31/05/2021</a:t>
             </a:fld>
             <a:endParaRPr lang="en-AU"/>
           </a:p>
@@ -2566,7 +2566,7 @@
           <a:p>
             <a:fld id="{100147B4-4DC3-4844-B2A8-58658666F9FF}" type="datetimeFigureOut">
               <a:rPr lang="en-AU" smtClean="0"/>
-              <a:t>11/01/2021</a:t>
+              <a:t>31/05/2021</a:t>
             </a:fld>
             <a:endParaRPr lang="en-AU"/>
           </a:p>
@@ -2973,6 +2973,54 @@
       </p:grpSpPr>
       <p:sp>
         <p:nvSpPr>
+          <p:cNvPr id="11" name="Rectangle 10"/>
+          <p:cNvSpPr/>
+          <p:nvPr/>
+        </p:nvSpPr>
+        <p:spPr>
+          <a:xfrm>
+            <a:off x="3427382" y="9817917"/>
+            <a:ext cx="821709" cy="362608"/>
+          </a:xfrm>
+          <a:prstGeom prst="rect">
+            <a:avLst/>
+          </a:prstGeom>
+          <a:solidFill>
+            <a:schemeClr val="bg1">
+              <a:lumMod val="95000"/>
+            </a:schemeClr>
+          </a:solidFill>
+          <a:ln>
+            <a:noFill/>
+          </a:ln>
+        </p:spPr>
+        <p:style>
+          <a:lnRef idx="2">
+            <a:schemeClr val="accent1">
+              <a:shade val="50000"/>
+            </a:schemeClr>
+          </a:lnRef>
+          <a:fillRef idx="1">
+            <a:schemeClr val="accent1"/>
+          </a:fillRef>
+          <a:effectRef idx="0">
+            <a:schemeClr val="accent1"/>
+          </a:effectRef>
+          <a:fontRef idx="minor">
+            <a:schemeClr val="lt1"/>
+          </a:fontRef>
+        </p:style>
+        <p:txBody>
+          <a:bodyPr rtlCol="0" anchor="ctr"/>
+          <a:lstStyle/>
+          <a:p>
+            <a:pPr algn="ctr"/>
+            <a:endParaRPr lang="en-GB"/>
+          </a:p>
+        </p:txBody>
+      </p:sp>
+      <p:sp>
+        <p:nvSpPr>
           <p:cNvPr id="4" name="Rectangle 3">
             <a:extLst>
               <a:ext uri="{FF2B5EF4-FFF2-40B4-BE49-F238E27FC236}">
@@ -2985,8 +3033,8 @@
         </p:nvSpPr>
         <p:spPr>
           <a:xfrm>
-            <a:off x="1890853" y="502715"/>
-            <a:ext cx="4116115" cy="1144865"/>
+            <a:off x="1499815" y="502715"/>
+            <a:ext cx="4507154" cy="1144865"/>
           </a:xfrm>
           <a:prstGeom prst="rect">
             <a:avLst/>
@@ -3022,21 +3070,7 @@
                 <a:latin typeface="Arial" panose="020B0604020202020204" pitchFamily="34" charset="0"/>
                 <a:cs typeface="Arial" panose="020B0604020202020204" pitchFamily="34" charset="0"/>
               </a:rPr>
-              <a:t>, i.e. within-population changes in the composition of traits linked to cooperation-antagonism, </a:t>
-            </a:r>
-            <a:r>
-              <a:rPr lang="en-GB" sz="1200" dirty="0" smtClean="0">
-                <a:latin typeface="Arial" panose="020B0604020202020204" pitchFamily="34" charset="0"/>
-                <a:cs typeface="Arial" panose="020B0604020202020204" pitchFamily="34" charset="0"/>
-              </a:rPr>
-              <a:t>e.g. </a:t>
-            </a:r>
-            <a:r>
-              <a:rPr lang="en-GB" sz="1200" dirty="0" smtClean="0">
-                <a:latin typeface="Arial" panose="020B0604020202020204" pitchFamily="34" charset="0"/>
-                <a:cs typeface="Arial" panose="020B0604020202020204" pitchFamily="34" charset="0"/>
-              </a:rPr>
-              <a:t>due to </a:t>
+              <a:t>, i.e. within-population changes in the composition of traits linked to cooperation-antagonism, e.g. due to </a:t>
             </a:r>
             <a:r>
               <a:rPr lang="en-US" sz="1200" dirty="0" smtClean="0">
@@ -3087,8 +3121,8 @@
         </p:nvSpPr>
         <p:spPr>
           <a:xfrm>
-            <a:off x="6524891" y="502421"/>
-            <a:ext cx="4291097" cy="934358"/>
+            <a:off x="1486556" y="4784294"/>
+            <a:ext cx="4705596" cy="934358"/>
           </a:xfrm>
           <a:prstGeom prst="rect">
             <a:avLst/>
@@ -3163,7 +3197,7 @@
         </p:nvCxnSpPr>
         <p:spPr>
           <a:xfrm flipH="1">
-            <a:off x="1888852" y="1614536"/>
+            <a:off x="1888852" y="1557386"/>
             <a:ext cx="10416" cy="2699638"/>
           </a:xfrm>
           <a:prstGeom prst="line">
@@ -3206,7 +3240,7 @@
         </p:nvCxnSpPr>
         <p:spPr>
           <a:xfrm flipH="1">
-            <a:off x="6512689" y="1603757"/>
+            <a:off x="1888852" y="5828480"/>
             <a:ext cx="23298" cy="2710417"/>
           </a:xfrm>
           <a:prstGeom prst="line">
@@ -3247,7 +3281,7 @@
         </p:nvSpPr>
         <p:spPr>
           <a:xfrm>
-            <a:off x="2214614" y="2787956"/>
+            <a:off x="2214614" y="2730806"/>
             <a:ext cx="2323729" cy="1547697"/>
           </a:xfrm>
           <a:custGeom>
@@ -3582,7 +3616,7 @@
         </p:nvSpPr>
         <p:spPr>
           <a:xfrm>
-            <a:off x="3237152" y="2822919"/>
+            <a:off x="3237152" y="2765769"/>
             <a:ext cx="2323729" cy="1511766"/>
           </a:xfrm>
           <a:custGeom>
@@ -3919,7 +3953,7 @@
         </p:nvCxnSpPr>
         <p:spPr>
           <a:xfrm>
-            <a:off x="1878496" y="4333717"/>
+            <a:off x="1878496" y="4276567"/>
             <a:ext cx="4116115" cy="0"/>
           </a:xfrm>
           <a:prstGeom prst="line">
@@ -3960,7 +3994,7 @@
         </p:nvSpPr>
         <p:spPr>
           <a:xfrm>
-            <a:off x="3375879" y="4338040"/>
+            <a:off x="3375879" y="4280890"/>
             <a:ext cx="1366458" cy="369332"/>
           </a:xfrm>
           <a:prstGeom prst="rect">
@@ -4021,7 +4055,7 @@
         </p:nvSpPr>
         <p:spPr>
           <a:xfrm>
-            <a:off x="8031892" y="4327451"/>
+            <a:off x="3408055" y="8552174"/>
             <a:ext cx="1341301" cy="369332"/>
           </a:xfrm>
           <a:prstGeom prst="rect">
@@ -4082,7 +4116,7 @@
         </p:nvSpPr>
         <p:spPr>
           <a:xfrm rot="16200000">
-            <a:off x="764123" y="2544061"/>
+            <a:off x="764123" y="2486911"/>
             <a:ext cx="1814196" cy="369332"/>
           </a:xfrm>
           <a:prstGeom prst="rect">
@@ -4129,7 +4163,7 @@
         </p:nvSpPr>
         <p:spPr>
           <a:xfrm>
-            <a:off x="1915129" y="1560220"/>
+            <a:off x="1915129" y="1503070"/>
             <a:ext cx="3840403" cy="830997"/>
           </a:xfrm>
           <a:prstGeom prst="rect">
@@ -4155,14 +4189,7 @@
                 <a:latin typeface="Arial" panose="020B0604020202020204" pitchFamily="34" charset="0"/>
                 <a:cs typeface="Arial" panose="020B0604020202020204" pitchFamily="34" charset="0"/>
               </a:rPr>
-              <a:t>w</a:t>
-            </a:r>
-            <a:r>
-              <a:rPr lang="en-US" sz="1200" dirty="0" smtClean="0">
-                <a:latin typeface="Arial" panose="020B0604020202020204" pitchFamily="34" charset="0"/>
-                <a:cs typeface="Arial" panose="020B0604020202020204" pitchFamily="34" charset="0"/>
-              </a:rPr>
-              <a:t>here there is </a:t>
+              <a:t>where there is </a:t>
             </a:r>
             <a:r>
               <a:rPr lang="en-US" sz="1200" dirty="0">
@@ -4190,14 +4217,7 @@
                 <a:latin typeface="Arial" panose="020B0604020202020204" pitchFamily="34" charset="0"/>
                 <a:cs typeface="Arial" panose="020B0604020202020204" pitchFamily="34" charset="0"/>
               </a:rPr>
-              <a:t> and the competitive-antagonistic </a:t>
-            </a:r>
-            <a:r>
-              <a:rPr lang="en-US" sz="1200" dirty="0" smtClean="0">
-                <a:latin typeface="Arial" panose="020B0604020202020204" pitchFamily="34" charset="0"/>
-                <a:cs typeface="Arial" panose="020B0604020202020204" pitchFamily="34" charset="0"/>
-              </a:rPr>
-              <a:t>interaction outcome</a:t>
+              <a:t> and the competitive-antagonistic interaction outcome</a:t>
             </a:r>
             <a:r>
               <a:rPr lang="en-GB" sz="1200" dirty="0" smtClean="0">
@@ -4276,7 +4296,7 @@
         </p:nvSpPr>
         <p:spPr>
           <a:xfrm>
-            <a:off x="6550663" y="1540774"/>
+            <a:off x="1926826" y="5765497"/>
             <a:ext cx="3818289" cy="830997"/>
           </a:xfrm>
           <a:prstGeom prst="rect">
@@ -4323,14 +4343,7 @@
                 <a:latin typeface="Arial" panose="020B0604020202020204" pitchFamily="34" charset="0"/>
                 <a:cs typeface="Arial" panose="020B0604020202020204" pitchFamily="34" charset="0"/>
               </a:rPr>
-              <a:t>linked </a:t>
-            </a:r>
-            <a:r>
-              <a:rPr lang="en-GB" sz="1200" dirty="0" smtClean="0">
-                <a:latin typeface="Arial" panose="020B0604020202020204" pitchFamily="34" charset="0"/>
-                <a:cs typeface="Arial" panose="020B0604020202020204" pitchFamily="34" charset="0"/>
-              </a:rPr>
-              <a:t>to the </a:t>
+              <a:t>linked to the </a:t>
             </a:r>
             <a:r>
               <a:rPr lang="en-GB" sz="1200" dirty="0">
@@ -4344,14 +4357,7 @@
                 <a:latin typeface="Arial" panose="020B0604020202020204" pitchFamily="34" charset="0"/>
                 <a:cs typeface="Arial" panose="020B0604020202020204" pitchFamily="34" charset="0"/>
               </a:rPr>
-              <a:t>interaction, e.g</a:t>
-            </a:r>
-            <a:r>
-              <a:rPr lang="en-GB" sz="1200" dirty="0" smtClean="0">
-                <a:latin typeface="Arial" panose="020B0604020202020204" pitchFamily="34" charset="0"/>
-                <a:cs typeface="Arial" panose="020B0604020202020204" pitchFamily="34" charset="0"/>
-              </a:rPr>
-              <a:t>. </a:t>
+              <a:t>interaction, e.g. </a:t>
             </a:r>
             <a:r>
               <a:rPr lang="en-GB" sz="1200" dirty="0">
@@ -4441,7 +4447,7 @@
         </p:nvCxnSpPr>
         <p:spPr>
           <a:xfrm flipH="1">
-            <a:off x="3709103" y="2834840"/>
+            <a:off x="3709103" y="2777690"/>
             <a:ext cx="602316" cy="0"/>
           </a:xfrm>
           <a:prstGeom prst="straightConnector1">
@@ -4484,7 +4490,7 @@
         </p:nvSpPr>
         <p:spPr>
           <a:xfrm>
-            <a:off x="7714163" y="2582562"/>
+            <a:off x="3090326" y="6807285"/>
             <a:ext cx="1670885" cy="1738797"/>
           </a:xfrm>
           <a:custGeom>
@@ -4819,7 +4825,7 @@
         </p:nvSpPr>
         <p:spPr>
           <a:xfrm>
-            <a:off x="6696734" y="3635825"/>
+            <a:off x="2072897" y="7860548"/>
             <a:ext cx="3562564" cy="678348"/>
           </a:xfrm>
           <a:custGeom>
@@ -5174,7 +5180,7 @@
         </p:nvCxnSpPr>
         <p:spPr>
           <a:xfrm>
-            <a:off x="8634666" y="2859554"/>
+            <a:off x="4010829" y="7084277"/>
             <a:ext cx="0" cy="661611"/>
           </a:xfrm>
           <a:prstGeom prst="straightConnector1">
@@ -5219,7 +5225,7 @@
         </p:nvCxnSpPr>
         <p:spPr>
           <a:xfrm>
-            <a:off x="6515267" y="4321360"/>
+            <a:off x="1891430" y="8546083"/>
             <a:ext cx="4116115" cy="0"/>
           </a:xfrm>
           <a:prstGeom prst="line">
@@ -5260,8 +5266,8 @@
         </p:nvSpPr>
         <p:spPr>
           <a:xfrm>
-            <a:off x="3645608" y="2842365"/>
-            <a:ext cx="1414052" cy="276999"/>
+            <a:off x="3645608" y="2785215"/>
+            <a:ext cx="1414052" cy="246221"/>
           </a:xfrm>
           <a:prstGeom prst="rect">
             <a:avLst/>
@@ -5275,13 +5281,13 @@
           <a:lstStyle/>
           <a:p>
             <a:r>
-              <a:rPr lang="en-GB" sz="1200" i="1" dirty="0" smtClean="0">
+              <a:rPr lang="en-GB" sz="1000" i="1" dirty="0" smtClean="0">
                 <a:latin typeface="Arial" panose="020B0604020202020204" pitchFamily="34" charset="0"/>
                 <a:cs typeface="Arial" panose="020B0604020202020204" pitchFamily="34" charset="0"/>
               </a:rPr>
               <a:t>Δ quality</a:t>
             </a:r>
-            <a:endParaRPr lang="en-GB" sz="1200" i="1" dirty="0">
+            <a:endParaRPr lang="en-GB" sz="1000" i="1" dirty="0">
               <a:latin typeface="Arial" panose="020B0604020202020204" pitchFamily="34" charset="0"/>
               <a:cs typeface="Arial" panose="020B0604020202020204" pitchFamily="34" charset="0"/>
             </a:endParaRPr>
@@ -5302,8 +5308,8 @@
         </p:nvSpPr>
         <p:spPr>
           <a:xfrm>
-            <a:off x="8760250" y="3059554"/>
-            <a:ext cx="1414052" cy="276999"/>
+            <a:off x="4136413" y="7284277"/>
+            <a:ext cx="1414052" cy="246221"/>
           </a:xfrm>
           <a:prstGeom prst="rect">
             <a:avLst/>
@@ -5317,13 +5323,489 @@
           <a:lstStyle/>
           <a:p>
             <a:r>
+              <a:rPr lang="en-GB" sz="1000" i="1" dirty="0" smtClean="0">
+                <a:latin typeface="Arial" panose="020B0604020202020204" pitchFamily="34" charset="0"/>
+                <a:cs typeface="Arial" panose="020B0604020202020204" pitchFamily="34" charset="0"/>
+              </a:rPr>
+              <a:t>Δ quality</a:t>
+            </a:r>
+            <a:endParaRPr lang="en-GB" sz="1000" i="1" dirty="0">
+              <a:latin typeface="Arial" panose="020B0604020202020204" pitchFamily="34" charset="0"/>
+              <a:cs typeface="Arial" panose="020B0604020202020204" pitchFamily="34" charset="0"/>
+            </a:endParaRPr>
+          </a:p>
+        </p:txBody>
+      </p:sp>
+      <p:sp>
+        <p:nvSpPr>
+          <p:cNvPr id="21" name="Rectangle 20">
+            <a:extLst>
+              <a:ext uri="{FF2B5EF4-FFF2-40B4-BE49-F238E27FC236}">
+                <a16:creationId xmlns:a16="http://schemas.microsoft.com/office/drawing/2014/main" id="{F5F49C06-7E04-4FCF-9D02-EF1CBF581FF4}"/>
+              </a:ext>
+            </a:extLst>
+          </p:cNvPr>
+          <p:cNvSpPr/>
+          <p:nvPr/>
+        </p:nvSpPr>
+        <p:spPr>
+          <a:xfrm>
+            <a:off x="1499814" y="9003316"/>
+            <a:ext cx="4686299" cy="723853"/>
+          </a:xfrm>
+          <a:prstGeom prst="rect">
+            <a:avLst/>
+          </a:prstGeom>
+        </p:spPr>
+        <p:txBody>
+          <a:bodyPr wrap="square">
+            <a:spAutoFit/>
+          </a:bodyPr>
+          <a:lstStyle/>
+          <a:p>
+            <a:pPr>
+              <a:lnSpc>
+                <a:spcPct val="114000"/>
+              </a:lnSpc>
+            </a:pPr>
+            <a:r>
+              <a:rPr lang="en-GB" sz="1200" b="1" dirty="0" smtClean="0">
+                <a:latin typeface="Arial" panose="020B0604020202020204" pitchFamily="34" charset="0"/>
+                <a:cs typeface="Arial" panose="020B0604020202020204" pitchFamily="34" charset="0"/>
+              </a:rPr>
+              <a:t>C. </a:t>
+            </a:r>
+            <a:r>
+              <a:rPr lang="en-GB" sz="1200" dirty="0" smtClean="0">
+                <a:latin typeface="Arial" panose="020B0604020202020204" pitchFamily="34" charset="0"/>
+                <a:cs typeface="Arial" panose="020B0604020202020204" pitchFamily="34" charset="0"/>
+              </a:rPr>
+              <a:t>Shifts along a general continuum, where the ‘</a:t>
+            </a:r>
+            <a:r>
               <a:rPr lang="en-GB" sz="1200" i="1" dirty="0" smtClean="0">
                 <a:latin typeface="Arial" panose="020B0604020202020204" pitchFamily="34" charset="0"/>
                 <a:cs typeface="Arial" panose="020B0604020202020204" pitchFamily="34" charset="0"/>
               </a:rPr>
+              <a:t>Δ quality’</a:t>
+            </a:r>
+            <a:r>
+              <a:rPr lang="en-GB" sz="1200" dirty="0" smtClean="0">
+                <a:latin typeface="Arial" panose="020B0604020202020204" pitchFamily="34" charset="0"/>
+                <a:cs typeface="Arial" panose="020B0604020202020204" pitchFamily="34" charset="0"/>
+              </a:rPr>
+              <a:t> in panel A and B represents variation from cooperative to antagonistic outcomes (or visa versa) at the individual or population level </a:t>
+            </a:r>
+            <a:endParaRPr lang="en-GB" sz="1200" dirty="0">
+              <a:latin typeface="Arial" panose="020B0604020202020204" pitchFamily="34" charset="0"/>
+              <a:cs typeface="Arial" panose="020B0604020202020204" pitchFamily="34" charset="0"/>
+            </a:endParaRPr>
+          </a:p>
+        </p:txBody>
+      </p:sp>
+      <p:sp>
+        <p:nvSpPr>
+          <p:cNvPr id="25" name="Rectangle 24">
+            <a:extLst>
+              <a:ext uri="{FF2B5EF4-FFF2-40B4-BE49-F238E27FC236}">
+                <a16:creationId xmlns:a16="http://schemas.microsoft.com/office/drawing/2014/main" id="{F5F49C06-7E04-4FCF-9D02-EF1CBF581FF4}"/>
+              </a:ext>
+            </a:extLst>
+          </p:cNvPr>
+          <p:cNvSpPr/>
+          <p:nvPr/>
+        </p:nvSpPr>
+        <p:spPr>
+          <a:xfrm>
+            <a:off x="1755447" y="10251588"/>
+            <a:ext cx="4849789" cy="267766"/>
+          </a:xfrm>
+          <a:prstGeom prst="rect">
+            <a:avLst/>
+          </a:prstGeom>
+        </p:spPr>
+        <p:txBody>
+          <a:bodyPr wrap="square">
+            <a:spAutoFit/>
+          </a:bodyPr>
+          <a:lstStyle/>
+          <a:p>
+            <a:pPr>
+              <a:lnSpc>
+                <a:spcPct val="114000"/>
+              </a:lnSpc>
+              <a:spcAft>
+                <a:spcPts val="600"/>
+              </a:spcAft>
+            </a:pPr>
+            <a:r>
+              <a:rPr lang="en-US" sz="1000" i="1" dirty="0" smtClean="0">
+                <a:latin typeface="Arial" panose="020B0604020202020204" pitchFamily="34" charset="0"/>
+                <a:cs typeface="Arial" panose="020B0604020202020204" pitchFamily="34" charset="0"/>
+              </a:rPr>
+              <a:t>cooperation/mutualism/care </a:t>
+            </a:r>
+            <a:r>
+              <a:rPr lang="en-US" sz="1000" i="1" dirty="0">
+                <a:latin typeface="Arial" panose="020B0604020202020204" pitchFamily="34" charset="0"/>
+                <a:cs typeface="Arial" panose="020B0604020202020204" pitchFamily="34" charset="0"/>
+              </a:rPr>
+              <a:t>	 </a:t>
+            </a:r>
+            <a:r>
+              <a:rPr lang="en-US" sz="1000" i="1" dirty="0" smtClean="0">
+                <a:latin typeface="Arial" panose="020B0604020202020204" pitchFamily="34" charset="0"/>
+                <a:cs typeface="Arial" panose="020B0604020202020204" pitchFamily="34" charset="0"/>
+              </a:rPr>
+              <a:t>antagonism/parasitism/competition/conflict</a:t>
+            </a:r>
+            <a:endParaRPr lang="en-US" sz="1000" i="1" dirty="0">
+              <a:latin typeface="Arial" panose="020B0604020202020204" pitchFamily="34" charset="0"/>
+              <a:cs typeface="Arial" panose="020B0604020202020204" pitchFamily="34" charset="0"/>
+            </a:endParaRPr>
+          </a:p>
+        </p:txBody>
+      </p:sp>
+      <p:sp>
+        <p:nvSpPr>
+          <p:cNvPr id="26" name="Rectangle 25">
+            <a:extLst>
+              <a:ext uri="{FF2B5EF4-FFF2-40B4-BE49-F238E27FC236}">
+                <a16:creationId xmlns:a16="http://schemas.microsoft.com/office/drawing/2014/main" id="{DE4DBE48-A915-4302-8830-3D28F816F9B2}"/>
+              </a:ext>
+            </a:extLst>
+          </p:cNvPr>
+          <p:cNvSpPr/>
+          <p:nvPr/>
+        </p:nvSpPr>
+        <p:spPr>
+          <a:xfrm>
+            <a:off x="5723170" y="9915269"/>
+            <a:ext cx="322406" cy="413896"/>
+          </a:xfrm>
+          <a:prstGeom prst="rect">
+            <a:avLst/>
+          </a:prstGeom>
+        </p:spPr>
+        <p:txBody>
+          <a:bodyPr wrap="square">
+            <a:spAutoFit/>
+          </a:bodyPr>
+          <a:lstStyle/>
+          <a:p>
+            <a:pPr>
+              <a:lnSpc>
+                <a:spcPct val="114000"/>
+              </a:lnSpc>
+            </a:pPr>
+            <a:r>
+              <a:rPr lang="en-US" sz="2000" dirty="0">
+                <a:latin typeface="Arial" panose="020B0604020202020204" pitchFamily="34" charset="0"/>
+                <a:cs typeface="Arial" panose="020B0604020202020204" pitchFamily="34" charset="0"/>
+              </a:rPr>
+              <a:t>-</a:t>
+            </a:r>
+            <a:endParaRPr lang="en-GB" sz="2800" dirty="0">
+              <a:latin typeface="Arial" panose="020B0604020202020204" pitchFamily="34" charset="0"/>
+              <a:cs typeface="Arial" panose="020B0604020202020204" pitchFamily="34" charset="0"/>
+            </a:endParaRPr>
+          </a:p>
+        </p:txBody>
+      </p:sp>
+      <p:sp>
+        <p:nvSpPr>
+          <p:cNvPr id="27" name="Rectangle 26">
+            <a:extLst>
+              <a:ext uri="{FF2B5EF4-FFF2-40B4-BE49-F238E27FC236}">
+                <a16:creationId xmlns:a16="http://schemas.microsoft.com/office/drawing/2014/main" id="{2C6DD3A2-11F7-45AF-A8CA-FF36F63E595E}"/>
+              </a:ext>
+            </a:extLst>
+          </p:cNvPr>
+          <p:cNvSpPr/>
+          <p:nvPr/>
+        </p:nvSpPr>
+        <p:spPr>
+          <a:xfrm>
+            <a:off x="1764210" y="9989542"/>
+            <a:ext cx="308687" cy="408125"/>
+          </a:xfrm>
+          <a:prstGeom prst="rect">
+            <a:avLst/>
+          </a:prstGeom>
+        </p:spPr>
+        <p:txBody>
+          <a:bodyPr wrap="square">
+            <a:spAutoFit/>
+          </a:bodyPr>
+          <a:lstStyle/>
+          <a:p>
+            <a:pPr>
+              <a:lnSpc>
+                <a:spcPct val="114000"/>
+              </a:lnSpc>
+            </a:pPr>
+            <a:r>
+              <a:rPr lang="en-GB" dirty="0">
+                <a:latin typeface="Arial" panose="020B0604020202020204" pitchFamily="34" charset="0"/>
+                <a:cs typeface="Arial" panose="020B0604020202020204" pitchFamily="34" charset="0"/>
+              </a:rPr>
+              <a:t>+</a:t>
+            </a:r>
+            <a:endParaRPr lang="en-GB" sz="2400" dirty="0">
+              <a:latin typeface="Arial" panose="020B0604020202020204" pitchFamily="34" charset="0"/>
+              <a:cs typeface="Arial" panose="020B0604020202020204" pitchFamily="34" charset="0"/>
+            </a:endParaRPr>
+          </a:p>
+        </p:txBody>
+      </p:sp>
+      <p:cxnSp>
+        <p:nvCxnSpPr>
+          <p:cNvPr id="28" name="Straight Connector 27">
+            <a:extLst>
+              <a:ext uri="{FF2B5EF4-FFF2-40B4-BE49-F238E27FC236}">
+                <a16:creationId xmlns:a16="http://schemas.microsoft.com/office/drawing/2014/main" id="{7CA44057-987A-4E14-B2FD-610FF61403F3}"/>
+              </a:ext>
+            </a:extLst>
+          </p:cNvPr>
+          <p:cNvCxnSpPr>
+            <a:cxnSpLocks/>
+            <a:endCxn id="27" idx="3"/>
+          </p:cNvCxnSpPr>
+          <p:nvPr/>
+        </p:nvCxnSpPr>
+        <p:spPr>
+          <a:xfrm flipH="1">
+            <a:off x="2072897" y="10175196"/>
+            <a:ext cx="3648554" cy="18409"/>
+          </a:xfrm>
+          <a:prstGeom prst="line">
+            <a:avLst/>
+          </a:prstGeom>
+          <a:ln w="19050" cap="flat" cmpd="sng" algn="ctr">
+            <a:solidFill>
+              <a:schemeClr val="dk1"/>
+            </a:solidFill>
+            <a:prstDash val="solid"/>
+            <a:round/>
+            <a:headEnd type="arrow" w="med" len="med"/>
+            <a:tailEnd type="arrow" w="med" len="med"/>
+          </a:ln>
+        </p:spPr>
+        <p:style>
+          <a:lnRef idx="0">
+            <a:scrgbClr r="0" g="0" b="0"/>
+          </a:lnRef>
+          <a:fillRef idx="0">
+            <a:scrgbClr r="0" g="0" b="0"/>
+          </a:fillRef>
+          <a:effectRef idx="0">
+            <a:scrgbClr r="0" g="0" b="0"/>
+          </a:effectRef>
+          <a:fontRef idx="minor">
+            <a:schemeClr val="tx1"/>
+          </a:fontRef>
+        </p:style>
+      </p:cxnSp>
+      <p:sp>
+        <p:nvSpPr>
+          <p:cNvPr id="30" name="TextBox 29">
+            <a:extLst>
+              <a:ext uri="{FF2B5EF4-FFF2-40B4-BE49-F238E27FC236}">
+                <a16:creationId xmlns:a16="http://schemas.microsoft.com/office/drawing/2014/main" id="{645BC3F3-F2D0-468D-AC78-D9994E4E8D19}"/>
+              </a:ext>
+            </a:extLst>
+          </p:cNvPr>
+          <p:cNvSpPr txBox="1"/>
+          <p:nvPr/>
+        </p:nvSpPr>
+        <p:spPr>
+          <a:xfrm>
+            <a:off x="3488557" y="9822633"/>
+            <a:ext cx="895637" cy="246221"/>
+          </a:xfrm>
+          <a:prstGeom prst="rect">
+            <a:avLst/>
+          </a:prstGeom>
+          <a:noFill/>
+        </p:spPr>
+        <p:txBody>
+          <a:bodyPr wrap="square" rtlCol="0">
+            <a:spAutoFit/>
+          </a:bodyPr>
+          <a:lstStyle/>
+          <a:p>
+            <a:r>
+              <a:rPr lang="en-GB" sz="1000" i="1" dirty="0" smtClean="0">
+                <a:latin typeface="Arial" panose="020B0604020202020204" pitchFamily="34" charset="0"/>
+                <a:cs typeface="Arial" panose="020B0604020202020204" pitchFamily="34" charset="0"/>
+              </a:rPr>
               <a:t>Δ quality</a:t>
             </a:r>
-            <a:endParaRPr lang="en-GB" sz="1200" i="1" dirty="0">
+            <a:endParaRPr lang="en-GB" sz="1000" i="1" dirty="0">
+              <a:latin typeface="Arial" panose="020B0604020202020204" pitchFamily="34" charset="0"/>
+              <a:cs typeface="Arial" panose="020B0604020202020204" pitchFamily="34" charset="0"/>
+            </a:endParaRPr>
+          </a:p>
+        </p:txBody>
+      </p:sp>
+      <p:cxnSp>
+        <p:nvCxnSpPr>
+          <p:cNvPr id="33" name="Straight Arrow Connector 32">
+            <a:extLst>
+              <a:ext uri="{FF2B5EF4-FFF2-40B4-BE49-F238E27FC236}">
+                <a16:creationId xmlns:a16="http://schemas.microsoft.com/office/drawing/2014/main" id="{B1CC27C3-1CE8-4205-8084-DF7E09EC964C}"/>
+              </a:ext>
+            </a:extLst>
+          </p:cNvPr>
+          <p:cNvCxnSpPr>
+            <a:cxnSpLocks/>
+          </p:cNvCxnSpPr>
+          <p:nvPr/>
+        </p:nvCxnSpPr>
+        <p:spPr>
+          <a:xfrm flipH="1" flipV="1">
+            <a:off x="3507313" y="9818742"/>
+            <a:ext cx="685728" cy="21"/>
+          </a:xfrm>
+          <a:prstGeom prst="straightConnector1">
+            <a:avLst/>
+          </a:prstGeom>
+          <a:ln w="19050">
+            <a:solidFill>
+              <a:schemeClr val="tx1"/>
+            </a:solidFill>
+            <a:headEnd type="triangle"/>
+            <a:tailEnd type="triangle"/>
+          </a:ln>
+        </p:spPr>
+        <p:style>
+          <a:lnRef idx="1">
+            <a:schemeClr val="accent1"/>
+          </a:lnRef>
+          <a:fillRef idx="0">
+            <a:schemeClr val="accent1"/>
+          </a:fillRef>
+          <a:effectRef idx="0">
+            <a:schemeClr val="accent1"/>
+          </a:effectRef>
+          <a:fontRef idx="minor">
+            <a:schemeClr val="tx1"/>
+          </a:fontRef>
+        </p:style>
+      </p:cxnSp>
+      <p:cxnSp>
+        <p:nvCxnSpPr>
+          <p:cNvPr id="3" name="Straight Connector 2"/>
+          <p:cNvCxnSpPr/>
+          <p:nvPr/>
+        </p:nvCxnSpPr>
+        <p:spPr>
+          <a:xfrm>
+            <a:off x="3434752" y="9824815"/>
+            <a:ext cx="0" cy="368790"/>
+          </a:xfrm>
+          <a:prstGeom prst="line">
+            <a:avLst/>
+          </a:prstGeom>
+          <a:ln w="19050">
+            <a:solidFill>
+              <a:schemeClr val="tx1"/>
+            </a:solidFill>
+            <a:prstDash val="sysDash"/>
+          </a:ln>
+        </p:spPr>
+        <p:style>
+          <a:lnRef idx="1">
+            <a:schemeClr val="accent1"/>
+          </a:lnRef>
+          <a:fillRef idx="0">
+            <a:schemeClr val="accent1"/>
+          </a:fillRef>
+          <a:effectRef idx="0">
+            <a:schemeClr val="accent1"/>
+          </a:effectRef>
+          <a:fontRef idx="minor">
+            <a:schemeClr val="tx1"/>
+          </a:fontRef>
+        </p:style>
+      </p:cxnSp>
+      <p:cxnSp>
+        <p:nvCxnSpPr>
+          <p:cNvPr id="37" name="Straight Connector 36"/>
+          <p:cNvCxnSpPr/>
+          <p:nvPr/>
+        </p:nvCxnSpPr>
+        <p:spPr>
+          <a:xfrm flipH="1">
+            <a:off x="4247789" y="9813319"/>
+            <a:ext cx="3040" cy="355710"/>
+          </a:xfrm>
+          <a:prstGeom prst="line">
+            <a:avLst/>
+          </a:prstGeom>
+          <a:ln w="19050">
+            <a:solidFill>
+              <a:schemeClr val="tx1"/>
+            </a:solidFill>
+            <a:prstDash val="sysDash"/>
+          </a:ln>
+        </p:spPr>
+        <p:style>
+          <a:lnRef idx="1">
+            <a:schemeClr val="accent1"/>
+          </a:lnRef>
+          <a:fillRef idx="0">
+            <a:schemeClr val="accent1"/>
+          </a:fillRef>
+          <a:effectRef idx="0">
+            <a:schemeClr val="accent1"/>
+          </a:effectRef>
+          <a:fontRef idx="minor">
+            <a:schemeClr val="tx1"/>
+          </a:fontRef>
+        </p:style>
+      </p:cxnSp>
+      <p:sp>
+        <p:nvSpPr>
+          <p:cNvPr id="32" name="TextBox 31">
+            <a:extLst>
+              <a:ext uri="{FF2B5EF4-FFF2-40B4-BE49-F238E27FC236}">
+                <a16:creationId xmlns:a16="http://schemas.microsoft.com/office/drawing/2014/main" id="{055EF955-34FB-49D9-B451-F6E50DED0B79}"/>
+              </a:ext>
+            </a:extLst>
+          </p:cNvPr>
+          <p:cNvSpPr txBox="1"/>
+          <p:nvPr/>
+        </p:nvSpPr>
+        <p:spPr>
+          <a:xfrm rot="16200000">
+            <a:off x="777383" y="6776819"/>
+            <a:ext cx="1814196" cy="369332"/>
+          </a:xfrm>
+          <a:prstGeom prst="rect">
+            <a:avLst/>
+          </a:prstGeom>
+          <a:noFill/>
+        </p:spPr>
+        <p:txBody>
+          <a:bodyPr wrap="square" rtlCol="0">
+            <a:spAutoFit/>
+          </a:bodyPr>
+          <a:lstStyle/>
+          <a:p>
+            <a:pPr>
+              <a:lnSpc>
+                <a:spcPct val="150000"/>
+              </a:lnSpc>
+            </a:pPr>
+            <a:r>
+              <a:rPr lang="en-GB" sz="1200" b="1" dirty="0">
+                <a:latin typeface="Arial" panose="020B0604020202020204" pitchFamily="34" charset="0"/>
+                <a:cs typeface="Arial" panose="020B0604020202020204" pitchFamily="34" charset="0"/>
+              </a:rPr>
+              <a:t>Population frequency</a:t>
+            </a:r>
+            <a:endParaRPr lang="en-AU" sz="1200" b="1" dirty="0">
               <a:latin typeface="Arial" panose="020B0604020202020204" pitchFamily="34" charset="0"/>
               <a:cs typeface="Arial" panose="020B0604020202020204" pitchFamily="34" charset="0"/>
             </a:endParaRPr>
@@ -5340,6 +5822,13 @@
   <p:clrMapOvr>
     <a:masterClrMapping/>
   </p:clrMapOvr>
+  <p:timing>
+    <p:tnLst>
+      <p:par>
+        <p:cTn id="1" dur="indefinite" restart="never" nodeType="tmRoot"/>
+      </p:par>
+    </p:tnLst>
+  </p:timing>
 </p:sld>
 </file>
 
